--- a/Empower your Azure IaC with Bicep!.pptx
+++ b/Empower your Azure IaC with Bicep!.pptx
@@ -173,7 +173,7 @@
 <file path=ppt/revisionInfo.xml><?xml version="1.0" encoding="utf-8"?>
 <p1510:revInfo xmlns:a="http://schemas.openxmlformats.org/drawingml/2006/main" xmlns:r="http://schemas.openxmlformats.org/officeDocument/2006/relationships" xmlns:p1510="http://schemas.microsoft.com/office/powerpoint/2015/10/main">
   <p1510:revLst>
-    <p1510:client id="{1D6E253C-2B48-49F2-8FE4-775FB471C05A}" v="102" dt="2021-04-18T12:15:45.451"/>
+    <p1510:client id="{1D6E253C-2B48-49F2-8FE4-775FB471C05A}" v="115" dt="2021-04-18T13:34:24.827"/>
   </p1510:revLst>
 </p1510:revInfo>
 </file>
@@ -183,7 +183,7 @@
   <pc:docChgLst>
     <pc:chgData name="Eldert Grootenboer" userId="3fe8758b2c2b58d2" providerId="LiveId" clId="{1D6E253C-2B48-49F2-8FE4-775FB471C05A}"/>
     <pc:docChg chg="undo redo custSel addSld delSld modSld modMainMaster addSection modSection">
-      <pc:chgData name="Eldert Grootenboer" userId="3fe8758b2c2b58d2" providerId="LiveId" clId="{1D6E253C-2B48-49F2-8FE4-775FB471C05A}" dt="2021-04-18T12:34:46.566" v="2205" actId="12788"/>
+      <pc:chgData name="Eldert Grootenboer" userId="3fe8758b2c2b58d2" providerId="LiveId" clId="{1D6E253C-2B48-49F2-8FE4-775FB471C05A}" dt="2021-04-18T13:41:31.112" v="2630" actId="113"/>
       <pc:docMkLst>
         <pc:docMk/>
       </pc:docMkLst>
@@ -1324,7 +1324,7 @@
         </pc:spChg>
       </pc:sldChg>
       <pc:sldChg chg="addSp delSp modSp new add del mod modClrScheme chgLayout modNotesTx">
-        <pc:chgData name="Eldert Grootenboer" userId="3fe8758b2c2b58d2" providerId="LiveId" clId="{1D6E253C-2B48-49F2-8FE4-775FB471C05A}" dt="2021-04-18T12:15:05.148" v="2174"/>
+        <pc:chgData name="Eldert Grootenboer" userId="3fe8758b2c2b58d2" providerId="LiveId" clId="{1D6E253C-2B48-49F2-8FE4-775FB471C05A}" dt="2021-04-18T13:41:31.112" v="2630" actId="113"/>
         <pc:sldMkLst>
           <pc:docMk/>
           <pc:sldMk cId="803200613" sldId="272"/>
@@ -23647,25 +23647,210 @@
           <a:p>
             <a:r>
               <a:rPr lang="en-GB" dirty="0"/>
-              <a:t>Installing</a:t>
+              <a:t>Compile Bicep to ARM and compare output ARM to Bicep</a:t>
+            </a:r>
+          </a:p>
+          <a:p>
+            <a:endParaRPr lang="en-GB" dirty="0"/>
+          </a:p>
+          <a:p>
+            <a:r>
+              <a:rPr lang="en-GB" dirty="0"/>
+              <a:t>Installation &amp; tooling  -- https://github.com/Azure/bicep/blob/main/docs/installing.md#install-the-bicep-cli-details</a:t>
             </a:r>
           </a:p>
           <a:p>
             <a:r>
               <a:rPr lang="en-GB" dirty="0"/>
-              <a:t>Tooling</a:t>
+              <a:t>Empty template -- </a:t>
             </a:r>
+            <a:r>
+              <a:rPr lang="en-GB" dirty="0" err="1"/>
+              <a:t>az</a:t>
+            </a:r>
+            <a:r>
+              <a:rPr lang="en-GB" dirty="0"/>
+              <a:t> bicep build --files .\assets\code\</a:t>
+            </a:r>
+            <a:r>
+              <a:rPr lang="en-GB" dirty="0" err="1"/>
+              <a:t>sample.bicep</a:t>
+            </a:r>
+            <a:endParaRPr lang="en-GB" dirty="0"/>
+          </a:p>
+          <a:p>
+            <a:pPr marL="0" marR="0" lvl="0" indent="0" algn="l" defTabSz="914400" rtl="0" eaLnBrk="1" fontAlgn="auto" latinLnBrk="0" hangingPunct="1">
+              <a:lnSpc>
+                <a:spcPct val="100000"/>
+              </a:lnSpc>
+              <a:spcBef>
+                <a:spcPts val="0"/>
+              </a:spcBef>
+              <a:spcAft>
+                <a:spcPts val="0"/>
+              </a:spcAft>
+              <a:buClrTx/>
+              <a:buSzTx/>
+              <a:buFontTx/>
+              <a:buNone/>
+              <a:tabLst/>
+              <a:defRPr/>
+            </a:pPr>
+            <a:r>
+              <a:rPr lang="en-GB" dirty="0"/>
+              <a:t>Storage account -- </a:t>
+            </a:r>
+            <a:r>
+              <a:rPr lang="nl-NL" b="0" dirty="0">
+                <a:solidFill>
+                  <a:srgbClr val="C586C0"/>
+                </a:solidFill>
+                <a:effectLst/>
+                <a:latin typeface="Consolas" panose="020B0609020204030204" pitchFamily="49" charset="0"/>
+              </a:rPr>
+              <a:t>resource</a:t>
+            </a:r>
+            <a:r>
+              <a:rPr lang="nl-NL" b="0" dirty="0">
+                <a:solidFill>
+                  <a:srgbClr val="D4D4D4"/>
+                </a:solidFill>
+                <a:effectLst/>
+                <a:latin typeface="Consolas" panose="020B0609020204030204" pitchFamily="49" charset="0"/>
+              </a:rPr>
+              <a:t> </a:t>
+            </a:r>
+            <a:r>
+              <a:rPr lang="nl-NL" b="0" dirty="0" err="1">
+                <a:solidFill>
+                  <a:srgbClr val="9CDCFE"/>
+                </a:solidFill>
+                <a:effectLst/>
+                <a:latin typeface="Consolas" panose="020B0609020204030204" pitchFamily="49" charset="0"/>
+              </a:rPr>
+              <a:t>storageAccount</a:t>
+            </a:r>
+            <a:endParaRPr lang="nl-NL" b="0" dirty="0">
+              <a:solidFill>
+                <a:srgbClr val="D4D4D4"/>
+              </a:solidFill>
+              <a:effectLst/>
+              <a:latin typeface="Consolas" panose="020B0609020204030204" pitchFamily="49" charset="0"/>
+            </a:endParaRPr>
+          </a:p>
+          <a:p>
+            <a:pPr marL="0" marR="0" lvl="0" indent="0" algn="l" defTabSz="914400" rtl="0" eaLnBrk="1" fontAlgn="auto" latinLnBrk="0" hangingPunct="1">
+              <a:lnSpc>
+                <a:spcPct val="100000"/>
+              </a:lnSpc>
+              <a:spcBef>
+                <a:spcPts val="0"/>
+              </a:spcBef>
+              <a:spcAft>
+                <a:spcPts val="0"/>
+              </a:spcAft>
+              <a:buClrTx/>
+              <a:buSzTx/>
+              <a:buFontTx/>
+              <a:buNone/>
+              <a:tabLst/>
+              <a:defRPr/>
+            </a:pPr>
+            <a:r>
+              <a:rPr lang="nl-NL" b="0" dirty="0">
+                <a:solidFill>
+                  <a:srgbClr val="D4D4D4"/>
+                </a:solidFill>
+                <a:effectLst/>
+                <a:latin typeface="Consolas" panose="020B0609020204030204" pitchFamily="49" charset="0"/>
+              </a:rPr>
+              <a:t>Show </a:t>
+            </a:r>
+            <a:r>
+              <a:rPr lang="nl-NL" b="0" dirty="0" err="1">
+                <a:solidFill>
+                  <a:srgbClr val="D4D4D4"/>
+                </a:solidFill>
+                <a:effectLst/>
+                <a:latin typeface="Consolas" panose="020B0609020204030204" pitchFamily="49" charset="0"/>
+              </a:rPr>
+              <a:t>intellisense</a:t>
+            </a:r>
+            <a:endParaRPr lang="en-GB" dirty="0"/>
           </a:p>
           <a:p>
             <a:r>
               <a:rPr lang="en-GB" dirty="0"/>
-              <a:t>Write a template from scratch</a:t>
+              <a:t>Use parameters and variables (including objects)</a:t>
             </a:r>
           </a:p>
           <a:p>
+            <a:pPr marL="0" marR="0" lvl="0" indent="0" algn="l" defTabSz="914400" rtl="0" eaLnBrk="1" fontAlgn="auto" latinLnBrk="0" hangingPunct="1">
+              <a:lnSpc>
+                <a:spcPct val="100000"/>
+              </a:lnSpc>
+              <a:spcBef>
+                <a:spcPts val="0"/>
+              </a:spcBef>
+              <a:spcAft>
+                <a:spcPts val="0"/>
+              </a:spcAft>
+              <a:buClrTx/>
+              <a:buSzTx/>
+              <a:buFontTx/>
+              <a:buNone/>
+              <a:tabLst/>
+              <a:defRPr/>
+            </a:pPr>
             <a:r>
               <a:rPr lang="en-GB" dirty="0"/>
-              <a:t>Use parameters and variables</a:t>
+              <a:t>String interpolation in variables</a:t>
+            </a:r>
+          </a:p>
+          <a:p>
+            <a:pPr marL="0" marR="0" lvl="0" indent="0" algn="l" defTabSz="914400" rtl="0" eaLnBrk="1" fontAlgn="auto" latinLnBrk="0" hangingPunct="1">
+              <a:lnSpc>
+                <a:spcPct val="100000"/>
+              </a:lnSpc>
+              <a:spcBef>
+                <a:spcPts val="0"/>
+              </a:spcBef>
+              <a:spcAft>
+                <a:spcPts val="0"/>
+              </a:spcAft>
+              <a:buClrTx/>
+              <a:buSzTx/>
+              <a:buFontTx/>
+              <a:buNone/>
+              <a:tabLst/>
+              <a:defRPr/>
+            </a:pPr>
+            <a:r>
+              <a:rPr lang="en-GB" dirty="0"/>
+              <a:t>Conditionals (… == … ? … : …)</a:t>
+            </a:r>
+          </a:p>
+          <a:p>
+            <a:pPr marL="0" marR="0" lvl="0" indent="0" algn="l" defTabSz="914400" rtl="0" eaLnBrk="1" fontAlgn="auto" latinLnBrk="0" hangingPunct="1">
+              <a:lnSpc>
+                <a:spcPct val="100000"/>
+              </a:lnSpc>
+              <a:spcBef>
+                <a:spcPts val="0"/>
+              </a:spcBef>
+              <a:spcAft>
+                <a:spcPts val="0"/>
+              </a:spcAft>
+              <a:buClrTx/>
+              <a:buSzTx/>
+              <a:buFontTx/>
+              <a:buNone/>
+              <a:tabLst/>
+              <a:defRPr/>
+            </a:pPr>
+            <a:r>
+              <a:rPr lang="en-GB" dirty="0"/>
+              <a:t>Mention parameter files, can be re-used from ARM templates</a:t>
             </a:r>
           </a:p>
           <a:p>
@@ -23677,34 +23862,91 @@
           <a:p>
             <a:r>
               <a:rPr lang="en-GB" dirty="0"/>
-              <a:t>Parameters with objects</a:t>
+              <a:t>Use outputs with properties</a:t>
             </a:r>
           </a:p>
           <a:p>
             <a:r>
               <a:rPr lang="en-GB" dirty="0"/>
-              <a:t>String interpolation in variables</a:t>
+              <a:t>Array of param, use together with loop</a:t>
             </a:r>
           </a:p>
           <a:p>
             <a:r>
               <a:rPr lang="en-GB" dirty="0"/>
-              <a:t>Array of names, use together with loops</a:t>
+              <a:t>Add app service plan</a:t>
+            </a:r>
+          </a:p>
+          <a:p>
+            <a:r>
+              <a:rPr lang="en-GB" dirty="0" err="1"/>
+              <a:t>DependsOn</a:t>
+            </a:r>
+            <a:r>
+              <a:rPr lang="en-GB" dirty="0"/>
+              <a:t> by adding Web App which references App Service Plan</a:t>
             </a:r>
           </a:p>
           <a:p>
             <a:r>
               <a:rPr lang="en-GB" dirty="0"/>
-              <a:t>Template file</a:t>
+              <a:t>Use modules</a:t>
             </a:r>
           </a:p>
           <a:p>
             <a:r>
               <a:rPr lang="en-GB" dirty="0"/>
-              <a:t>Use outputs with properties</a:t>
+              <a:t>Deployment</a:t>
             </a:r>
           </a:p>
           <a:p>
+            <a:r>
+              <a:rPr lang="en-GB" dirty="0"/>
+              <a:t>Decompile ARM to Bicep</a:t>
+            </a:r>
+          </a:p>
+          <a:p>
+            <a:endParaRPr lang="en-GB" dirty="0"/>
+          </a:p>
+          <a:p>
+            <a:endParaRPr lang="en-GB" dirty="0"/>
+          </a:p>
+          <a:p>
+            <a:endParaRPr lang="en-GB" dirty="0"/>
+          </a:p>
+          <a:p>
+            <a:endParaRPr lang="en-GB" dirty="0"/>
+          </a:p>
+          <a:p>
+            <a:r>
+              <a:rPr lang="en-GB" b="1" dirty="0"/>
+              <a:t>Next steps</a:t>
+            </a:r>
+          </a:p>
+          <a:p>
+            <a:r>
+              <a:rPr lang="en-GB" dirty="0"/>
+              <a:t>Existing keyword</a:t>
+            </a:r>
+          </a:p>
+          <a:p>
+            <a:pPr marL="0" marR="0" lvl="0" indent="0" algn="l" defTabSz="914400" rtl="0" eaLnBrk="1" fontAlgn="auto" latinLnBrk="0" hangingPunct="1">
+              <a:lnSpc>
+                <a:spcPct val="100000"/>
+              </a:lnSpc>
+              <a:spcBef>
+                <a:spcPts val="0"/>
+              </a:spcBef>
+              <a:spcAft>
+                <a:spcPts val="0"/>
+              </a:spcAft>
+              <a:buClrTx/>
+              <a:buSzTx/>
+              <a:buFontTx/>
+              <a:buNone/>
+              <a:tabLst/>
+              <a:defRPr/>
+            </a:pPr>
             <a:r>
               <a:rPr lang="en-GB" dirty="0"/>
               <a:t>Use outputs with existing property (output </a:t>
@@ -23721,65 +23963,7 @@
           <a:p>
             <a:r>
               <a:rPr lang="en-GB" dirty="0"/>
-              <a:t>Secrets</a:t>
-            </a:r>
-          </a:p>
-          <a:p>
-            <a:r>
-              <a:rPr lang="en-GB" dirty="0"/>
-              <a:t>Compile Bicep to ARM</a:t>
-            </a:r>
-          </a:p>
-          <a:p>
-            <a:r>
-              <a:rPr lang="en-GB" dirty="0"/>
-              <a:t>Compare output ARM to Bicep</a:t>
-            </a:r>
-          </a:p>
-          <a:p>
-            <a:r>
-              <a:rPr lang="en-GB" dirty="0" err="1"/>
-              <a:t>DependsOn</a:t>
-            </a:r>
-            <a:r>
-              <a:rPr lang="en-GB" dirty="0"/>
-              <a:t> via referencing other resource</a:t>
-            </a:r>
-          </a:p>
-          <a:p>
-            <a:r>
-              <a:rPr lang="en-GB" dirty="0"/>
-              <a:t>Use modules</a:t>
-            </a:r>
-          </a:p>
-          <a:p>
-            <a:r>
-              <a:rPr lang="en-GB" dirty="0"/>
-              <a:t>Conditionals (… == … ? … : …)</a:t>
-            </a:r>
-          </a:p>
-          <a:p>
-            <a:r>
-              <a:rPr lang="en-GB" dirty="0"/>
-              <a:t>Loops</a:t>
-            </a:r>
-          </a:p>
-          <a:p>
-            <a:r>
-              <a:rPr lang="en-GB" dirty="0"/>
-              <a:t>Existing keyword</a:t>
-            </a:r>
-          </a:p>
-          <a:p>
-            <a:r>
-              <a:rPr lang="en-GB" dirty="0"/>
-              <a:t>Deployment</a:t>
-            </a:r>
-          </a:p>
-          <a:p>
-            <a:r>
-              <a:rPr lang="en-GB" dirty="0"/>
-              <a:t>Decompile ARM to Bicep</a:t>
+              <a:t>YAML pipeline integration</a:t>
             </a:r>
           </a:p>
           <a:p>
@@ -23787,9 +23971,6 @@
               <a:rPr lang="en-GB" dirty="0"/>
               <a:t>Integration with ARM-TTK</a:t>
             </a:r>
-            <a:endParaRPr lang="nl-NL" dirty="0"/>
-          </a:p>
-          <a:p>
             <a:endParaRPr lang="nl-NL" dirty="0"/>
           </a:p>
         </p:txBody>
@@ -23952,7 +24133,7 @@
           <a:p>
             <a:fld id="{D18B56EA-E28F-4F92-9F16-7A6F2501B303}" type="datetime8">
               <a:rPr lang="en-US" smtClean="0"/>
-              <a:t>4/18/2021 2:05 PM</a:t>
+              <a:t>4/18/2021 2:38 PM</a:t>
             </a:fld>
             <a:endParaRPr lang="en-US"/>
           </a:p>
@@ -25770,13 +25951,13 @@
   <p:clrMapOvr>
     <a:masterClrMapping/>
   </p:clrMapOvr>
-  <mc:AlternateContent xmlns:mc="http://schemas.openxmlformats.org/markup-compatibility/2006">
-    <mc:Choice xmlns:p14="http://schemas.microsoft.com/office/powerpoint/2010/main" Requires="p14">
+  <mc:AlternateContent xmlns:mc="http://schemas.openxmlformats.org/markup-compatibility/2006" xmlns:p14="http://schemas.microsoft.com/office/powerpoint/2010/main">
+    <mc:Choice Requires="p14">
       <p:transition spd="med" p14:dur="700">
         <p:fade/>
       </p:transition>
     </mc:Choice>
-    <mc:Fallback>
+    <mc:Fallback xmlns="">
       <p:transition spd="med">
         <p:fade/>
       </p:transition>
@@ -27299,13 +27480,13 @@
   <p:clrMapOvr>
     <a:masterClrMapping/>
   </p:clrMapOvr>
-  <mc:AlternateContent xmlns:mc="http://schemas.openxmlformats.org/markup-compatibility/2006">
-    <mc:Choice xmlns:p14="http://schemas.microsoft.com/office/powerpoint/2010/main" Requires="p14">
+  <mc:AlternateContent xmlns:mc="http://schemas.openxmlformats.org/markup-compatibility/2006" xmlns:p14="http://schemas.microsoft.com/office/powerpoint/2010/main">
+    <mc:Choice Requires="p14">
       <p:transition spd="med" p14:dur="700">
         <p:fade/>
       </p:transition>
     </mc:Choice>
-    <mc:Fallback>
+    <mc:Fallback xmlns="">
       <p:transition spd="med">
         <p:fade/>
       </p:transition>
